--- a/docs/diagrams/UndoRedoNewCommand4StateListDiagram.pptx
+++ b/docs/diagrams/UndoRedoNewCommand4StateListDiagram.pptx
@@ -112,10 +112,6 @@
 </p:presentation>
 </file>
 
-<file path=ppt/revisionInfo.xml><?xml version="1.0" encoding="utf-8"?>
-<p1510:revInfo xmlns:a="http://schemas.openxmlformats.org/drawingml/2006/main" xmlns:r="http://schemas.openxmlformats.org/officeDocument/2006/relationships" xmlns:p1510="http://schemas.microsoft.com/office/powerpoint/2015/10/main"/>
-</file>
-
 <file path=ppt/slideLayouts/slideLayout1.xml><?xml version="1.0" encoding="utf-8"?>
 <p:sldLayout xmlns:a="http://schemas.openxmlformats.org/drawingml/2006/main" xmlns:r="http://schemas.openxmlformats.org/officeDocument/2006/relationships" xmlns:p="http://schemas.openxmlformats.org/presentationml/2006/main" type="title" preserve="1">
   <p:cSld name="Title Slide">
@@ -265,7 +261,7 @@
           <a:p>
             <a:fld id="{03EC4E3E-8101-482F-A883-8B55DAFF7C07}" type="datetimeFigureOut">
               <a:rPr lang="en-SG" smtClean="0"/>
-              <a:t>6/7/2018</a:t>
+              <a:t>11/11/2018</a:t>
             </a:fld>
             <a:endParaRPr lang="en-SG"/>
           </a:p>
@@ -465,7 +461,7 @@
           <a:p>
             <a:fld id="{03EC4E3E-8101-482F-A883-8B55DAFF7C07}" type="datetimeFigureOut">
               <a:rPr lang="en-SG" smtClean="0"/>
-              <a:t>6/7/2018</a:t>
+              <a:t>11/11/2018</a:t>
             </a:fld>
             <a:endParaRPr lang="en-SG"/>
           </a:p>
@@ -675,7 +671,7 @@
           <a:p>
             <a:fld id="{03EC4E3E-8101-482F-A883-8B55DAFF7C07}" type="datetimeFigureOut">
               <a:rPr lang="en-SG" smtClean="0"/>
-              <a:t>6/7/2018</a:t>
+              <a:t>11/11/2018</a:t>
             </a:fld>
             <a:endParaRPr lang="en-SG"/>
           </a:p>
@@ -875,7 +871,7 @@
           <a:p>
             <a:fld id="{03EC4E3E-8101-482F-A883-8B55DAFF7C07}" type="datetimeFigureOut">
               <a:rPr lang="en-SG" smtClean="0"/>
-              <a:t>6/7/2018</a:t>
+              <a:t>11/11/2018</a:t>
             </a:fld>
             <a:endParaRPr lang="en-SG"/>
           </a:p>
@@ -1151,7 +1147,7 @@
           <a:p>
             <a:fld id="{03EC4E3E-8101-482F-A883-8B55DAFF7C07}" type="datetimeFigureOut">
               <a:rPr lang="en-SG" smtClean="0"/>
-              <a:t>6/7/2018</a:t>
+              <a:t>11/11/2018</a:t>
             </a:fld>
             <a:endParaRPr lang="en-SG"/>
           </a:p>
@@ -1419,7 +1415,7 @@
           <a:p>
             <a:fld id="{03EC4E3E-8101-482F-A883-8B55DAFF7C07}" type="datetimeFigureOut">
               <a:rPr lang="en-SG" smtClean="0"/>
-              <a:t>6/7/2018</a:t>
+              <a:t>11/11/2018</a:t>
             </a:fld>
             <a:endParaRPr lang="en-SG"/>
           </a:p>
@@ -1834,7 +1830,7 @@
           <a:p>
             <a:fld id="{03EC4E3E-8101-482F-A883-8B55DAFF7C07}" type="datetimeFigureOut">
               <a:rPr lang="en-SG" smtClean="0"/>
-              <a:t>6/7/2018</a:t>
+              <a:t>11/11/2018</a:t>
             </a:fld>
             <a:endParaRPr lang="en-SG"/>
           </a:p>
@@ -1976,7 +1972,7 @@
           <a:p>
             <a:fld id="{03EC4E3E-8101-482F-A883-8B55DAFF7C07}" type="datetimeFigureOut">
               <a:rPr lang="en-SG" smtClean="0"/>
-              <a:t>6/7/2018</a:t>
+              <a:t>11/11/2018</a:t>
             </a:fld>
             <a:endParaRPr lang="en-SG"/>
           </a:p>
@@ -2089,7 +2085,7 @@
           <a:p>
             <a:fld id="{03EC4E3E-8101-482F-A883-8B55DAFF7C07}" type="datetimeFigureOut">
               <a:rPr lang="en-SG" smtClean="0"/>
-              <a:t>6/7/2018</a:t>
+              <a:t>11/11/2018</a:t>
             </a:fld>
             <a:endParaRPr lang="en-SG"/>
           </a:p>
@@ -2402,7 +2398,7 @@
           <a:p>
             <a:fld id="{03EC4E3E-8101-482F-A883-8B55DAFF7C07}" type="datetimeFigureOut">
               <a:rPr lang="en-SG" smtClean="0"/>
-              <a:t>6/7/2018</a:t>
+              <a:t>11/11/2018</a:t>
             </a:fld>
             <a:endParaRPr lang="en-SG"/>
           </a:p>
@@ -2691,7 +2687,7 @@
           <a:p>
             <a:fld id="{03EC4E3E-8101-482F-A883-8B55DAFF7C07}" type="datetimeFigureOut">
               <a:rPr lang="en-SG" smtClean="0"/>
-              <a:t>6/7/2018</a:t>
+              <a:t>11/11/2018</a:t>
             </a:fld>
             <a:endParaRPr lang="en-SG"/>
           </a:p>
@@ -2934,7 +2930,7 @@
           <a:p>
             <a:fld id="{03EC4E3E-8101-482F-A883-8B55DAFF7C07}" type="datetimeFigureOut">
               <a:rPr lang="en-SG" smtClean="0"/>
-              <a:t>6/7/2018</a:t>
+              <a:t>11/11/2018</a:t>
             </a:fld>
             <a:endParaRPr lang="en-SG"/>
           </a:p>
@@ -3359,7 +3355,7 @@
         </p:nvSpPr>
         <p:spPr>
           <a:xfrm>
-            <a:off x="5051917" y="2107282"/>
+            <a:off x="5299169" y="1492918"/>
             <a:ext cx="1535059" cy="1635302"/>
           </a:xfrm>
           <a:prstGeom prst="downArrow">
@@ -3409,7 +3405,7 @@
         </p:nvSpPr>
         <p:spPr>
           <a:xfrm>
-            <a:off x="8279815" y="4786631"/>
+            <a:off x="8528390" y="4223781"/>
             <a:ext cx="2346425" cy="369332"/>
           </a:xfrm>
           <a:prstGeom prst="rect">
@@ -3450,22 +3446,18 @@
           <a:p>
             <a:pPr algn="ctr"/>
             <a:r>
-              <a:rPr lang="en-SG"/>
-              <a:t>State ab2 </a:t>
-            </a:r>
-            <a:r>
               <a:rPr lang="en-SG" dirty="0"/>
-              <a:t>deleted.</a:t>
-            </a:r>
-          </a:p>
-        </p:txBody>
-      </p:sp>
-      <p:sp>
-        <p:nvSpPr>
-          <p:cNvPr id="17" name="TextBox 16">
-            <a:extLst>
-              <a:ext uri="{FF2B5EF4-FFF2-40B4-BE49-F238E27FC236}">
-                <a16:creationId xmlns:a16="http://schemas.microsoft.com/office/drawing/2014/main" id="{3151A13B-9509-43FA-BFEB-1D9866A00B84}"/>
+              <a:t>State im2 deleted.</a:t>
+            </a:r>
+          </a:p>
+        </p:txBody>
+      </p:sp>
+      <p:sp>
+        <p:nvSpPr>
+          <p:cNvPr id="23" name="TextBox 18">
+            <a:extLst>
+              <a:ext uri="{FF2B5EF4-FFF2-40B4-BE49-F238E27FC236}">
+                <a16:creationId xmlns:a16="http://schemas.microsoft.com/office/drawing/2014/main" id="{5971CE22-5182-42EB-8A8A-B728D82AD0F3}"/>
               </a:ext>
             </a:extLst>
           </p:cNvPr>
@@ -3474,7 +3466,7 @@
         </p:nvSpPr>
         <p:spPr>
           <a:xfrm>
-            <a:off x="1844917" y="2745771"/>
+            <a:off x="1548663" y="2079350"/>
             <a:ext cx="3207000" cy="369332"/>
           </a:xfrm>
           <a:prstGeom prst="rect">
@@ -3506,103 +3498,19 @@
       </p:sp>
       <p:sp>
         <p:nvSpPr>
-          <p:cNvPr id="21" name="Rectangle 20"/>
+          <p:cNvPr id="24" name="Rectangle 26">
+            <a:extLst>
+              <a:ext uri="{FF2B5EF4-FFF2-40B4-BE49-F238E27FC236}">
+                <a16:creationId xmlns:a16="http://schemas.microsoft.com/office/drawing/2014/main" id="{9CE50514-CAEC-44CE-B28D-F4EC2769D7E2}"/>
+              </a:ext>
+            </a:extLst>
+          </p:cNvPr>
           <p:cNvSpPr/>
           <p:nvPr/>
         </p:nvSpPr>
         <p:spPr>
           <a:xfrm>
-            <a:off x="364797" y="1375953"/>
-            <a:ext cx="11364686" cy="618187"/>
-          </a:xfrm>
-          <a:prstGeom prst="rect">
-            <a:avLst/>
-          </a:prstGeom>
-          <a:noFill/>
-          <a:ln>
-            <a:solidFill>
-              <a:schemeClr val="tx1"/>
-            </a:solidFill>
-          </a:ln>
-        </p:spPr>
-        <p:style>
-          <a:lnRef idx="2">
-            <a:schemeClr val="accent1">
-              <a:shade val="50000"/>
-            </a:schemeClr>
-          </a:lnRef>
-          <a:fillRef idx="1">
-            <a:schemeClr val="accent1"/>
-          </a:fillRef>
-          <a:effectRef idx="0">
-            <a:schemeClr val="accent1"/>
-          </a:effectRef>
-          <a:fontRef idx="minor">
-            <a:schemeClr val="lt1"/>
-          </a:fontRef>
-        </p:style>
-        <p:txBody>
-          <a:bodyPr rtlCol="0" anchor="ctr"/>
-          <a:lstStyle/>
-          <a:p>
-            <a:pPr algn="ctr"/>
-            <a:endParaRPr lang="en-US"/>
-          </a:p>
-        </p:txBody>
-      </p:sp>
-      <p:sp>
-        <p:nvSpPr>
-          <p:cNvPr id="22" name="TextBox 21">
-            <a:extLst>
-              <a:ext uri="{FF2B5EF4-FFF2-40B4-BE49-F238E27FC236}">
-                <a16:creationId xmlns:a16="http://schemas.microsoft.com/office/drawing/2014/main" id="{3151A13B-9509-43FA-BFEB-1D9866A00B84}"/>
-              </a:ext>
-            </a:extLst>
-          </p:cNvPr>
-          <p:cNvSpPr txBox="1"/>
-          <p:nvPr/>
-        </p:nvSpPr>
-        <p:spPr>
-          <a:xfrm>
-            <a:off x="3952597" y="5155963"/>
-            <a:ext cx="3207000" cy="369332"/>
-          </a:xfrm>
-          <a:prstGeom prst="rect">
-            <a:avLst/>
-          </a:prstGeom>
-          <a:noFill/>
-        </p:spPr>
-        <p:txBody>
-          <a:bodyPr wrap="square" rtlCol="0">
-            <a:spAutoFit/>
-          </a:bodyPr>
-          <a:lstStyle/>
-          <a:p>
-            <a:pPr algn="ctr"/>
-            <a:r>
-              <a:rPr lang="en-SG" dirty="0" err="1">
-                <a:latin typeface="Consolas" panose="020B0609020204030204" pitchFamily="49" charset="0"/>
-              </a:rPr>
-              <a:t>currentStatePointer</a:t>
-            </a:r>
-            <a:r>
-              <a:rPr lang="en-SG" dirty="0">
-                <a:latin typeface="Consolas" panose="020B0609020204030204" pitchFamily="49" charset="0"/>
-              </a:rPr>
-              <a:t> = 2</a:t>
-            </a:r>
-          </a:p>
-        </p:txBody>
-      </p:sp>
-      <p:sp>
-        <p:nvSpPr>
-          <p:cNvPr id="25" name="Rectangle 24"/>
-          <p:cNvSpPr/>
-          <p:nvPr/>
-        </p:nvSpPr>
-        <p:spPr>
-          <a:xfrm>
-            <a:off x="387404" y="3838574"/>
+            <a:off x="384356" y="672343"/>
             <a:ext cx="11364686" cy="593918"/>
           </a:xfrm>
           <a:prstGeom prst="rect">
@@ -3640,420 +3548,12 @@
           </a:p>
         </p:txBody>
       </p:sp>
-      <p:graphicFrame>
-        <p:nvGraphicFramePr>
-          <p:cNvPr id="16" name="Table 15">
-            <a:extLst>
-              <a:ext uri="{FF2B5EF4-FFF2-40B4-BE49-F238E27FC236}">
-                <a16:creationId xmlns:a16="http://schemas.microsoft.com/office/drawing/2014/main" id="{F545FAB8-F1CE-4886-9BDE-E772BCB0A9C4}"/>
-              </a:ext>
-            </a:extLst>
-          </p:cNvPr>
-          <p:cNvGraphicFramePr>
-            <a:graphicFrameLocks noGrp="1"/>
-          </p:cNvGraphicFramePr>
-          <p:nvPr>
-            <p:extLst>
-              <p:ext uri="{D42A27DB-BD31-4B8C-83A1-F6EECF244321}">
-                <p14:modId xmlns:p14="http://schemas.microsoft.com/office/powerpoint/2010/main" val="1352982134"/>
-              </p:ext>
-            </p:extLst>
-          </p:nvPr>
-        </p:nvGraphicFramePr>
-        <p:xfrm>
-          <a:off x="473240" y="1476102"/>
-          <a:ext cx="1825824" cy="417888"/>
-        </p:xfrm>
-        <a:graphic>
-          <a:graphicData uri="http://schemas.openxmlformats.org/drawingml/2006/table">
-            <a:tbl>
-              <a:tblPr>
-                <a:tableStyleId>{638B1855-1B75-4FBE-930C-398BA8C253C6}</a:tableStyleId>
-              </a:tblPr>
-              <a:tblGrid>
-                <a:gridCol w="1825824">
-                  <a:extLst>
-                    <a:ext uri="{9D8B030D-6E8A-4147-A177-3AD203B41FA5}">
-                      <a16:colId xmlns:a16="http://schemas.microsoft.com/office/drawing/2014/main" val="4240773277"/>
-                    </a:ext>
-                  </a:extLst>
-                </a:gridCol>
-              </a:tblGrid>
-              <a:tr h="417888">
-                <a:tc>
-                  <a:txBody>
-                    <a:bodyPr/>
-                    <a:lstStyle/>
-                    <a:p>
-                      <a:r>
-                        <a:rPr lang="en-SG" u="sng" dirty="0"/>
-                        <a:t>ab0:</a:t>
-                      </a:r>
-                      <a:r>
-                        <a:rPr lang="en-SG" sz="1800" u="sng" dirty="0"/>
-                        <a:t>AddressBook</a:t>
-                      </a:r>
-                      <a:endParaRPr lang="en-SG" u="sng" dirty="0"/>
-                    </a:p>
-                  </a:txBody>
-                  <a:tcPr/>
-                </a:tc>
-                <a:extLst>
-                  <a:ext uri="{0D108BD9-81ED-4DB2-BD59-A6C34878D82A}">
-                    <a16:rowId xmlns:a16="http://schemas.microsoft.com/office/drawing/2014/main" val="2194462629"/>
-                  </a:ext>
-                </a:extLst>
-              </a:tr>
-            </a:tbl>
-          </a:graphicData>
-        </a:graphic>
-      </p:graphicFrame>
-      <p:graphicFrame>
-        <p:nvGraphicFramePr>
-          <p:cNvPr id="29" name="Table 28">
-            <a:extLst>
-              <a:ext uri="{FF2B5EF4-FFF2-40B4-BE49-F238E27FC236}">
-                <a16:creationId xmlns:a16="http://schemas.microsoft.com/office/drawing/2014/main" id="{F545FAB8-F1CE-4886-9BDE-E772BCB0A9C4}"/>
-              </a:ext>
-            </a:extLst>
-          </p:cNvPr>
-          <p:cNvGraphicFramePr>
-            <a:graphicFrameLocks noGrp="1"/>
-          </p:cNvGraphicFramePr>
-          <p:nvPr>
-            <p:extLst>
-              <p:ext uri="{D42A27DB-BD31-4B8C-83A1-F6EECF244321}">
-                <p14:modId xmlns:p14="http://schemas.microsoft.com/office/powerpoint/2010/main" val="829193732"/>
-              </p:ext>
-            </p:extLst>
-          </p:nvPr>
-        </p:nvGraphicFramePr>
-        <p:xfrm>
-          <a:off x="2440458" y="1476102"/>
-          <a:ext cx="1825824" cy="417888"/>
-        </p:xfrm>
-        <a:graphic>
-          <a:graphicData uri="http://schemas.openxmlformats.org/drawingml/2006/table">
-            <a:tbl>
-              <a:tblPr>
-                <a:tableStyleId>{638B1855-1B75-4FBE-930C-398BA8C253C6}</a:tableStyleId>
-              </a:tblPr>
-              <a:tblGrid>
-                <a:gridCol w="1825824">
-                  <a:extLst>
-                    <a:ext uri="{9D8B030D-6E8A-4147-A177-3AD203B41FA5}">
-                      <a16:colId xmlns:a16="http://schemas.microsoft.com/office/drawing/2014/main" val="4240773277"/>
-                    </a:ext>
-                  </a:extLst>
-                </a:gridCol>
-              </a:tblGrid>
-              <a:tr h="417888">
-                <a:tc>
-                  <a:txBody>
-                    <a:bodyPr/>
-                    <a:lstStyle/>
-                    <a:p>
-                      <a:r>
-                        <a:rPr lang="en-SG" u="sng" dirty="0"/>
-                        <a:t>ab1:</a:t>
-                      </a:r>
-                      <a:r>
-                        <a:rPr lang="en-SG" sz="1800" u="sng" dirty="0"/>
-                        <a:t>AddressBook</a:t>
-                      </a:r>
-                      <a:endParaRPr lang="en-SG" u="sng" dirty="0"/>
-                    </a:p>
-                  </a:txBody>
-                  <a:tcPr/>
-                </a:tc>
-                <a:extLst>
-                  <a:ext uri="{0D108BD9-81ED-4DB2-BD59-A6C34878D82A}">
-                    <a16:rowId xmlns:a16="http://schemas.microsoft.com/office/drawing/2014/main" val="2194462629"/>
-                  </a:ext>
-                </a:extLst>
-              </a:tr>
-            </a:tbl>
-          </a:graphicData>
-        </a:graphic>
-      </p:graphicFrame>
-      <p:graphicFrame>
-        <p:nvGraphicFramePr>
-          <p:cNvPr id="30" name="Table 29">
-            <a:extLst>
-              <a:ext uri="{FF2B5EF4-FFF2-40B4-BE49-F238E27FC236}">
-                <a16:creationId xmlns:a16="http://schemas.microsoft.com/office/drawing/2014/main" id="{F545FAB8-F1CE-4886-9BDE-E772BCB0A9C4}"/>
-              </a:ext>
-            </a:extLst>
-          </p:cNvPr>
-          <p:cNvGraphicFramePr>
-            <a:graphicFrameLocks noGrp="1"/>
-          </p:cNvGraphicFramePr>
-          <p:nvPr>
-            <p:extLst>
-              <p:ext uri="{D42A27DB-BD31-4B8C-83A1-F6EECF244321}">
-                <p14:modId xmlns:p14="http://schemas.microsoft.com/office/powerpoint/2010/main" val="796708048"/>
-              </p:ext>
-            </p:extLst>
-          </p:nvPr>
-        </p:nvGraphicFramePr>
-        <p:xfrm>
-          <a:off x="4409785" y="1476102"/>
-          <a:ext cx="1825824" cy="417888"/>
-        </p:xfrm>
-        <a:graphic>
-          <a:graphicData uri="http://schemas.openxmlformats.org/drawingml/2006/table">
-            <a:tbl>
-              <a:tblPr>
-                <a:tableStyleId>{638B1855-1B75-4FBE-930C-398BA8C253C6}</a:tableStyleId>
-              </a:tblPr>
-              <a:tblGrid>
-                <a:gridCol w="1825824">
-                  <a:extLst>
-                    <a:ext uri="{9D8B030D-6E8A-4147-A177-3AD203B41FA5}">
-                      <a16:colId xmlns:a16="http://schemas.microsoft.com/office/drawing/2014/main" val="4240773277"/>
-                    </a:ext>
-                  </a:extLst>
-                </a:gridCol>
-              </a:tblGrid>
-              <a:tr h="417888">
-                <a:tc>
-                  <a:txBody>
-                    <a:bodyPr/>
-                    <a:lstStyle/>
-                    <a:p>
-                      <a:r>
-                        <a:rPr lang="en-SG" u="sng" dirty="0"/>
-                        <a:t>ab2:</a:t>
-                      </a:r>
-                      <a:r>
-                        <a:rPr lang="en-SG" sz="1800" u="sng" dirty="0"/>
-                        <a:t>AddressBook</a:t>
-                      </a:r>
-                      <a:endParaRPr lang="en-SG" u="sng" dirty="0"/>
-                    </a:p>
-                  </a:txBody>
-                  <a:tcPr/>
-                </a:tc>
-                <a:extLst>
-                  <a:ext uri="{0D108BD9-81ED-4DB2-BD59-A6C34878D82A}">
-                    <a16:rowId xmlns:a16="http://schemas.microsoft.com/office/drawing/2014/main" val="2194462629"/>
-                  </a:ext>
-                </a:extLst>
-              </a:tr>
-            </a:tbl>
-          </a:graphicData>
-        </a:graphic>
-      </p:graphicFrame>
-      <p:graphicFrame>
-        <p:nvGraphicFramePr>
-          <p:cNvPr id="31" name="Table 30">
-            <a:extLst>
-              <a:ext uri="{FF2B5EF4-FFF2-40B4-BE49-F238E27FC236}">
-                <a16:creationId xmlns:a16="http://schemas.microsoft.com/office/drawing/2014/main" id="{F545FAB8-F1CE-4886-9BDE-E772BCB0A9C4}"/>
-              </a:ext>
-            </a:extLst>
-          </p:cNvPr>
-          <p:cNvGraphicFramePr>
-            <a:graphicFrameLocks noGrp="1"/>
-          </p:cNvGraphicFramePr>
-          <p:nvPr>
-            <p:extLst>
-              <p:ext uri="{D42A27DB-BD31-4B8C-83A1-F6EECF244321}">
-                <p14:modId xmlns:p14="http://schemas.microsoft.com/office/powerpoint/2010/main" val="377617300"/>
-              </p:ext>
-            </p:extLst>
-          </p:nvPr>
-        </p:nvGraphicFramePr>
-        <p:xfrm>
-          <a:off x="473240" y="3919947"/>
-          <a:ext cx="1825824" cy="417888"/>
-        </p:xfrm>
-        <a:graphic>
-          <a:graphicData uri="http://schemas.openxmlformats.org/drawingml/2006/table">
-            <a:tbl>
-              <a:tblPr>
-                <a:tableStyleId>{638B1855-1B75-4FBE-930C-398BA8C253C6}</a:tableStyleId>
-              </a:tblPr>
-              <a:tblGrid>
-                <a:gridCol w="1825824">
-                  <a:extLst>
-                    <a:ext uri="{9D8B030D-6E8A-4147-A177-3AD203B41FA5}">
-                      <a16:colId xmlns:a16="http://schemas.microsoft.com/office/drawing/2014/main" val="4240773277"/>
-                    </a:ext>
-                  </a:extLst>
-                </a:gridCol>
-              </a:tblGrid>
-              <a:tr h="417888">
-                <a:tc>
-                  <a:txBody>
-                    <a:bodyPr/>
-                    <a:lstStyle/>
-                    <a:p>
-                      <a:r>
-                        <a:rPr lang="en-SG" u="sng" dirty="0"/>
-                        <a:t>ab0:</a:t>
-                      </a:r>
-                      <a:r>
-                        <a:rPr lang="en-SG" sz="1800" u="sng" dirty="0"/>
-                        <a:t>AddressBook</a:t>
-                      </a:r>
-                      <a:endParaRPr lang="en-SG" u="sng" dirty="0"/>
-                    </a:p>
-                  </a:txBody>
-                  <a:tcPr/>
-                </a:tc>
-                <a:extLst>
-                  <a:ext uri="{0D108BD9-81ED-4DB2-BD59-A6C34878D82A}">
-                    <a16:rowId xmlns:a16="http://schemas.microsoft.com/office/drawing/2014/main" val="2194462629"/>
-                  </a:ext>
-                </a:extLst>
-              </a:tr>
-            </a:tbl>
-          </a:graphicData>
-        </a:graphic>
-      </p:graphicFrame>
-      <p:graphicFrame>
-        <p:nvGraphicFramePr>
-          <p:cNvPr id="32" name="Table 31">
-            <a:extLst>
-              <a:ext uri="{FF2B5EF4-FFF2-40B4-BE49-F238E27FC236}">
-                <a16:creationId xmlns:a16="http://schemas.microsoft.com/office/drawing/2014/main" id="{F545FAB8-F1CE-4886-9BDE-E772BCB0A9C4}"/>
-              </a:ext>
-            </a:extLst>
-          </p:cNvPr>
-          <p:cNvGraphicFramePr>
-            <a:graphicFrameLocks noGrp="1"/>
-          </p:cNvGraphicFramePr>
-          <p:nvPr>
-            <p:extLst>
-              <p:ext uri="{D42A27DB-BD31-4B8C-83A1-F6EECF244321}">
-                <p14:modId xmlns:p14="http://schemas.microsoft.com/office/powerpoint/2010/main" val="4076322253"/>
-              </p:ext>
-            </p:extLst>
-          </p:nvPr>
-        </p:nvGraphicFramePr>
-        <p:xfrm>
-          <a:off x="2440458" y="3919947"/>
-          <a:ext cx="1825824" cy="417888"/>
-        </p:xfrm>
-        <a:graphic>
-          <a:graphicData uri="http://schemas.openxmlformats.org/drawingml/2006/table">
-            <a:tbl>
-              <a:tblPr>
-                <a:tableStyleId>{638B1855-1B75-4FBE-930C-398BA8C253C6}</a:tableStyleId>
-              </a:tblPr>
-              <a:tblGrid>
-                <a:gridCol w="1825824">
-                  <a:extLst>
-                    <a:ext uri="{9D8B030D-6E8A-4147-A177-3AD203B41FA5}">
-                      <a16:colId xmlns:a16="http://schemas.microsoft.com/office/drawing/2014/main" val="4240773277"/>
-                    </a:ext>
-                  </a:extLst>
-                </a:gridCol>
-              </a:tblGrid>
-              <a:tr h="417888">
-                <a:tc>
-                  <a:txBody>
-                    <a:bodyPr/>
-                    <a:lstStyle/>
-                    <a:p>
-                      <a:r>
-                        <a:rPr lang="en-SG" u="sng" dirty="0"/>
-                        <a:t>ab1:</a:t>
-                      </a:r>
-                      <a:r>
-                        <a:rPr lang="en-SG" sz="1800" u="sng" dirty="0"/>
-                        <a:t>AddressBook</a:t>
-                      </a:r>
-                      <a:endParaRPr lang="en-SG" u="sng" dirty="0"/>
-                    </a:p>
-                  </a:txBody>
-                  <a:tcPr/>
-                </a:tc>
-                <a:extLst>
-                  <a:ext uri="{0D108BD9-81ED-4DB2-BD59-A6C34878D82A}">
-                    <a16:rowId xmlns:a16="http://schemas.microsoft.com/office/drawing/2014/main" val="2194462629"/>
-                  </a:ext>
-                </a:extLst>
-              </a:tr>
-            </a:tbl>
-          </a:graphicData>
-        </a:graphic>
-      </p:graphicFrame>
-      <p:graphicFrame>
-        <p:nvGraphicFramePr>
-          <p:cNvPr id="33" name="Table 32">
-            <a:extLst>
-              <a:ext uri="{FF2B5EF4-FFF2-40B4-BE49-F238E27FC236}">
-                <a16:creationId xmlns:a16="http://schemas.microsoft.com/office/drawing/2014/main" id="{F545FAB8-F1CE-4886-9BDE-E772BCB0A9C4}"/>
-              </a:ext>
-            </a:extLst>
-          </p:cNvPr>
-          <p:cNvGraphicFramePr>
-            <a:graphicFrameLocks noGrp="1"/>
-          </p:cNvGraphicFramePr>
-          <p:nvPr>
-            <p:extLst>
-              <p:ext uri="{D42A27DB-BD31-4B8C-83A1-F6EECF244321}">
-                <p14:modId xmlns:p14="http://schemas.microsoft.com/office/powerpoint/2010/main" val="53411958"/>
-              </p:ext>
-            </p:extLst>
-          </p:nvPr>
-        </p:nvGraphicFramePr>
-        <p:xfrm>
-          <a:off x="4409785" y="3919947"/>
-          <a:ext cx="1825824" cy="417888"/>
-        </p:xfrm>
-        <a:graphic>
-          <a:graphicData uri="http://schemas.openxmlformats.org/drawingml/2006/table">
-            <a:tbl>
-              <a:tblPr>
-                <a:tableStyleId>{638B1855-1B75-4FBE-930C-398BA8C253C6}</a:tableStyleId>
-              </a:tblPr>
-              <a:tblGrid>
-                <a:gridCol w="1825824">
-                  <a:extLst>
-                    <a:ext uri="{9D8B030D-6E8A-4147-A177-3AD203B41FA5}">
-                      <a16:colId xmlns:a16="http://schemas.microsoft.com/office/drawing/2014/main" val="4240773277"/>
-                    </a:ext>
-                  </a:extLst>
-                </a:gridCol>
-              </a:tblGrid>
-              <a:tr h="417888">
-                <a:tc>
-                  <a:txBody>
-                    <a:bodyPr/>
-                    <a:lstStyle/>
-                    <a:p>
-                      <a:r>
-                        <a:rPr lang="en-SG" u="sng" dirty="0"/>
-                        <a:t>ab3:</a:t>
-                      </a:r>
-                      <a:r>
-                        <a:rPr lang="en-SG" sz="1800" u="sng" dirty="0"/>
-                        <a:t>AddressBook</a:t>
-                      </a:r>
-                      <a:endParaRPr lang="en-SG" u="sng" dirty="0"/>
-                    </a:p>
-                  </a:txBody>
-                  <a:tcPr/>
-                </a:tc>
-                <a:extLst>
-                  <a:ext uri="{0D108BD9-81ED-4DB2-BD59-A6C34878D82A}">
-                    <a16:rowId xmlns:a16="http://schemas.microsoft.com/office/drawing/2014/main" val="2194462629"/>
-                  </a:ext>
-                </a:extLst>
-              </a:tr>
-            </a:tbl>
-          </a:graphicData>
-        </a:graphic>
-      </p:graphicFrame>
       <p:cxnSp>
         <p:nvCxnSpPr>
-          <p:cNvPr id="18" name="Straight Arrow Connector 17">
-            <a:extLst>
-              <a:ext uri="{FF2B5EF4-FFF2-40B4-BE49-F238E27FC236}">
-                <a16:creationId xmlns:a16="http://schemas.microsoft.com/office/drawing/2014/main" id="{BFC3A12D-3AD3-425B-8A3B-315B6DC01D05}"/>
+          <p:cNvPr id="26" name="Straight Arrow Connector 15">
+            <a:extLst>
+              <a:ext uri="{FF2B5EF4-FFF2-40B4-BE49-F238E27FC236}">
+                <a16:creationId xmlns:a16="http://schemas.microsoft.com/office/drawing/2014/main" id="{6287640B-C05D-40DC-90CB-E26FEBE101C4}"/>
               </a:ext>
             </a:extLst>
           </p:cNvPr>
@@ -4064,7 +3564,7 @@
         </p:nvCxnSpPr>
         <p:spPr>
           <a:xfrm flipV="1">
-            <a:off x="3338818" y="2038898"/>
+            <a:off x="2970801" y="1372477"/>
             <a:ext cx="0" cy="706873"/>
           </a:xfrm>
           <a:prstGeom prst="straightConnector1">
@@ -4092,12 +3592,332 @@
           </a:fontRef>
         </p:style>
       </p:cxnSp>
+      <p:graphicFrame>
+        <p:nvGraphicFramePr>
+          <p:cNvPr id="27" name="Table 4">
+            <a:extLst>
+              <a:ext uri="{FF2B5EF4-FFF2-40B4-BE49-F238E27FC236}">
+                <a16:creationId xmlns:a16="http://schemas.microsoft.com/office/drawing/2014/main" id="{3309DE5F-3EC9-4EC6-8876-99DB7D61B5E1}"/>
+              </a:ext>
+            </a:extLst>
+          </p:cNvPr>
+          <p:cNvGraphicFramePr>
+            <a:graphicFrameLocks noGrp="1"/>
+          </p:cNvGraphicFramePr>
+          <p:nvPr>
+            <p:extLst>
+              <p:ext uri="{D42A27DB-BD31-4B8C-83A1-F6EECF244321}">
+                <p14:modId xmlns:p14="http://schemas.microsoft.com/office/powerpoint/2010/main" val="3175201522"/>
+              </p:ext>
+            </p:extLst>
+          </p:nvPr>
+        </p:nvGraphicFramePr>
+        <p:xfrm>
+          <a:off x="467901" y="781245"/>
+          <a:ext cx="1528154" cy="365760"/>
+        </p:xfrm>
+        <a:graphic>
+          <a:graphicData uri="http://schemas.openxmlformats.org/drawingml/2006/table">
+            <a:tbl>
+              <a:tblPr>
+                <a:tableStyleId>{638B1855-1B75-4FBE-930C-398BA8C253C6}</a:tableStyleId>
+              </a:tblPr>
+              <a:tblGrid>
+                <a:gridCol w="1528154">
+                  <a:extLst>
+                    <a:ext uri="{9D8B030D-6E8A-4147-A177-3AD203B41FA5}">
+                      <a16:colId xmlns:a16="http://schemas.microsoft.com/office/drawing/2014/main" val="4240773277"/>
+                    </a:ext>
+                  </a:extLst>
+                </a:gridCol>
+              </a:tblGrid>
+              <a:tr h="0">
+                <a:tc>
+                  <a:txBody>
+                    <a:bodyPr/>
+                    <a:lstStyle/>
+                    <a:p>
+                      <a:r>
+                        <a:rPr lang="en-US" altLang="zh-CN" u="sng" dirty="0" err="1"/>
+                        <a:t>im</a:t>
+                      </a:r>
+                      <a:r>
+                        <a:rPr lang="en-SG" u="sng" dirty="0"/>
+                        <a:t>0:</a:t>
+                      </a:r>
+                      <a:r>
+                        <a:rPr lang="en-SG" sz="1800" u="sng" dirty="0"/>
+                        <a:t>Inventory</a:t>
+                      </a:r>
+                      <a:endParaRPr lang="en-SG" sz="1600" u="sng" dirty="0"/>
+                    </a:p>
+                  </a:txBody>
+                  <a:tcPr/>
+                </a:tc>
+                <a:extLst>
+                  <a:ext uri="{0D108BD9-81ED-4DB2-BD59-A6C34878D82A}">
+                    <a16:rowId xmlns:a16="http://schemas.microsoft.com/office/drawing/2014/main" val="2194462629"/>
+                  </a:ext>
+                </a:extLst>
+              </a:tr>
+            </a:tbl>
+          </a:graphicData>
+        </a:graphic>
+      </p:graphicFrame>
+      <p:graphicFrame>
+        <p:nvGraphicFramePr>
+          <p:cNvPr id="28" name="Table 4">
+            <a:extLst>
+              <a:ext uri="{FF2B5EF4-FFF2-40B4-BE49-F238E27FC236}">
+                <a16:creationId xmlns:a16="http://schemas.microsoft.com/office/drawing/2014/main" id="{8C8FAE32-BD6B-4434-8EB4-132EDFA609B5}"/>
+              </a:ext>
+            </a:extLst>
+          </p:cNvPr>
+          <p:cNvGraphicFramePr>
+            <a:graphicFrameLocks noGrp="1"/>
+          </p:cNvGraphicFramePr>
+          <p:nvPr>
+            <p:extLst>
+              <p:ext uri="{D42A27DB-BD31-4B8C-83A1-F6EECF244321}">
+                <p14:modId xmlns:p14="http://schemas.microsoft.com/office/powerpoint/2010/main" val="2732322295"/>
+              </p:ext>
+            </p:extLst>
+          </p:nvPr>
+        </p:nvGraphicFramePr>
+        <p:xfrm>
+          <a:off x="2120623" y="791601"/>
+          <a:ext cx="1528154" cy="365760"/>
+        </p:xfrm>
+        <a:graphic>
+          <a:graphicData uri="http://schemas.openxmlformats.org/drawingml/2006/table">
+            <a:tbl>
+              <a:tblPr>
+                <a:tableStyleId>{638B1855-1B75-4FBE-930C-398BA8C253C6}</a:tableStyleId>
+              </a:tblPr>
+              <a:tblGrid>
+                <a:gridCol w="1528154">
+                  <a:extLst>
+                    <a:ext uri="{9D8B030D-6E8A-4147-A177-3AD203B41FA5}">
+                      <a16:colId xmlns:a16="http://schemas.microsoft.com/office/drawing/2014/main" val="4240773277"/>
+                    </a:ext>
+                  </a:extLst>
+                </a:gridCol>
+              </a:tblGrid>
+              <a:tr h="0">
+                <a:tc>
+                  <a:txBody>
+                    <a:bodyPr/>
+                    <a:lstStyle/>
+                    <a:p>
+                      <a:r>
+                        <a:rPr lang="en-US" altLang="zh-CN" u="sng" dirty="0" err="1"/>
+                        <a:t>im</a:t>
+                      </a:r>
+                      <a:r>
+                        <a:rPr lang="en-SG" altLang="zh-CN" u="sng" dirty="0"/>
+                        <a:t>1</a:t>
+                      </a:r>
+                      <a:r>
+                        <a:rPr lang="en-SG" u="sng" dirty="0"/>
+                        <a:t>:</a:t>
+                      </a:r>
+                      <a:r>
+                        <a:rPr lang="en-SG" sz="1800" u="sng" dirty="0"/>
+                        <a:t>Inventory</a:t>
+                      </a:r>
+                      <a:endParaRPr lang="en-SG" sz="1600" u="sng" dirty="0"/>
+                    </a:p>
+                  </a:txBody>
+                  <a:tcPr/>
+                </a:tc>
+                <a:extLst>
+                  <a:ext uri="{0D108BD9-81ED-4DB2-BD59-A6C34878D82A}">
+                    <a16:rowId xmlns:a16="http://schemas.microsoft.com/office/drawing/2014/main" val="2194462629"/>
+                  </a:ext>
+                </a:extLst>
+              </a:tr>
+            </a:tbl>
+          </a:graphicData>
+        </a:graphic>
+      </p:graphicFrame>
+      <p:graphicFrame>
+        <p:nvGraphicFramePr>
+          <p:cNvPr id="34" name="Table 4">
+            <a:extLst>
+              <a:ext uri="{FF2B5EF4-FFF2-40B4-BE49-F238E27FC236}">
+                <a16:creationId xmlns:a16="http://schemas.microsoft.com/office/drawing/2014/main" id="{3D05D604-F289-4BE7-84BC-E21089F58FA6}"/>
+              </a:ext>
+            </a:extLst>
+          </p:cNvPr>
+          <p:cNvGraphicFramePr>
+            <a:graphicFrameLocks noGrp="1"/>
+          </p:cNvGraphicFramePr>
+          <p:nvPr>
+            <p:extLst>
+              <p:ext uri="{D42A27DB-BD31-4B8C-83A1-F6EECF244321}">
+                <p14:modId xmlns:p14="http://schemas.microsoft.com/office/powerpoint/2010/main" val="3104972991"/>
+              </p:ext>
+            </p:extLst>
+          </p:nvPr>
+        </p:nvGraphicFramePr>
+        <p:xfrm>
+          <a:off x="3754351" y="797697"/>
+          <a:ext cx="1528154" cy="365760"/>
+        </p:xfrm>
+        <a:graphic>
+          <a:graphicData uri="http://schemas.openxmlformats.org/drawingml/2006/table">
+            <a:tbl>
+              <a:tblPr>
+                <a:tableStyleId>{638B1855-1B75-4FBE-930C-398BA8C253C6}</a:tableStyleId>
+              </a:tblPr>
+              <a:tblGrid>
+                <a:gridCol w="1528154">
+                  <a:extLst>
+                    <a:ext uri="{9D8B030D-6E8A-4147-A177-3AD203B41FA5}">
+                      <a16:colId xmlns:a16="http://schemas.microsoft.com/office/drawing/2014/main" val="4240773277"/>
+                    </a:ext>
+                  </a:extLst>
+                </a:gridCol>
+              </a:tblGrid>
+              <a:tr h="0">
+                <a:tc>
+                  <a:txBody>
+                    <a:bodyPr/>
+                    <a:lstStyle/>
+                    <a:p>
+                      <a:r>
+                        <a:rPr lang="en-US" altLang="zh-CN" u="sng" dirty="0" err="1"/>
+                        <a:t>im</a:t>
+                      </a:r>
+                      <a:r>
+                        <a:rPr lang="en-SG" altLang="zh-CN" u="sng" dirty="0"/>
+                        <a:t>2</a:t>
+                      </a:r>
+                      <a:r>
+                        <a:rPr lang="en-SG" u="sng" dirty="0"/>
+                        <a:t>:</a:t>
+                      </a:r>
+                      <a:r>
+                        <a:rPr lang="en-SG" sz="1800" u="sng" dirty="0"/>
+                        <a:t>Inventory</a:t>
+                      </a:r>
+                      <a:endParaRPr lang="en-SG" sz="1600" u="sng" dirty="0"/>
+                    </a:p>
+                  </a:txBody>
+                  <a:tcPr/>
+                </a:tc>
+                <a:extLst>
+                  <a:ext uri="{0D108BD9-81ED-4DB2-BD59-A6C34878D82A}">
+                    <a16:rowId xmlns:a16="http://schemas.microsoft.com/office/drawing/2014/main" val="2194462629"/>
+                  </a:ext>
+                </a:extLst>
+              </a:tr>
+            </a:tbl>
+          </a:graphicData>
+        </a:graphic>
+      </p:graphicFrame>
+      <p:sp>
+        <p:nvSpPr>
+          <p:cNvPr id="35" name="TextBox 18">
+            <a:extLst>
+              <a:ext uri="{FF2B5EF4-FFF2-40B4-BE49-F238E27FC236}">
+                <a16:creationId xmlns:a16="http://schemas.microsoft.com/office/drawing/2014/main" id="{4B9D89AC-96DC-40D4-A919-7F5B61D4BAAB}"/>
+              </a:ext>
+            </a:extLst>
+          </p:cNvPr>
+          <p:cNvSpPr txBox="1"/>
+          <p:nvPr/>
+        </p:nvSpPr>
+        <p:spPr>
+          <a:xfrm>
+            <a:off x="3112618" y="4761884"/>
+            <a:ext cx="3207000" cy="369332"/>
+          </a:xfrm>
+          <a:prstGeom prst="rect">
+            <a:avLst/>
+          </a:prstGeom>
+          <a:noFill/>
+        </p:spPr>
+        <p:txBody>
+          <a:bodyPr wrap="square" rtlCol="0">
+            <a:spAutoFit/>
+          </a:bodyPr>
+          <a:lstStyle/>
+          <a:p>
+            <a:pPr algn="ctr"/>
+            <a:r>
+              <a:rPr lang="en-SG" dirty="0" err="1">
+                <a:latin typeface="Consolas" panose="020B0609020204030204" pitchFamily="49" charset="0"/>
+              </a:rPr>
+              <a:t>currentStatePointer</a:t>
+            </a:r>
+            <a:r>
+              <a:rPr lang="en-SG" dirty="0">
+                <a:latin typeface="Consolas" panose="020B0609020204030204" pitchFamily="49" charset="0"/>
+              </a:rPr>
+              <a:t> = 2</a:t>
+            </a:r>
+          </a:p>
+        </p:txBody>
+      </p:sp>
+      <p:sp>
+        <p:nvSpPr>
+          <p:cNvPr id="36" name="Rectangle 26">
+            <a:extLst>
+              <a:ext uri="{FF2B5EF4-FFF2-40B4-BE49-F238E27FC236}">
+                <a16:creationId xmlns:a16="http://schemas.microsoft.com/office/drawing/2014/main" id="{638B0FF6-6DFC-44BB-A39D-11385F9701A9}"/>
+              </a:ext>
+            </a:extLst>
+          </p:cNvPr>
+          <p:cNvSpPr/>
+          <p:nvPr/>
+        </p:nvSpPr>
+        <p:spPr>
+          <a:xfrm>
+            <a:off x="385837" y="3354877"/>
+            <a:ext cx="11364686" cy="593918"/>
+          </a:xfrm>
+          <a:prstGeom prst="rect">
+            <a:avLst/>
+          </a:prstGeom>
+          <a:noFill/>
+          <a:ln>
+            <a:solidFill>
+              <a:schemeClr val="tx1"/>
+            </a:solidFill>
+          </a:ln>
+        </p:spPr>
+        <p:style>
+          <a:lnRef idx="2">
+            <a:schemeClr val="accent1">
+              <a:shade val="50000"/>
+            </a:schemeClr>
+          </a:lnRef>
+          <a:fillRef idx="1">
+            <a:schemeClr val="accent1"/>
+          </a:fillRef>
+          <a:effectRef idx="0">
+            <a:schemeClr val="accent1"/>
+          </a:effectRef>
+          <a:fontRef idx="minor">
+            <a:schemeClr val="lt1"/>
+          </a:fontRef>
+        </p:style>
+        <p:txBody>
+          <a:bodyPr rtlCol="0" anchor="ctr"/>
+          <a:lstStyle/>
+          <a:p>
+            <a:pPr algn="ctr"/>
+            <a:endParaRPr lang="en-US"/>
+          </a:p>
+        </p:txBody>
+      </p:sp>
       <p:cxnSp>
         <p:nvCxnSpPr>
-          <p:cNvPr id="19" name="Straight Arrow Connector 18">
-            <a:extLst>
-              <a:ext uri="{FF2B5EF4-FFF2-40B4-BE49-F238E27FC236}">
-                <a16:creationId xmlns:a16="http://schemas.microsoft.com/office/drawing/2014/main" id="{A3B5C47A-9640-4A49-B463-8F5196CF2A09}"/>
+          <p:cNvPr id="37" name="Straight Arrow Connector 15">
+            <a:extLst>
+              <a:ext uri="{FF2B5EF4-FFF2-40B4-BE49-F238E27FC236}">
+                <a16:creationId xmlns:a16="http://schemas.microsoft.com/office/drawing/2014/main" id="{94C817BC-D72F-4611-933F-1E3183F223F5}"/>
               </a:ext>
             </a:extLst>
           </p:cNvPr>
@@ -4108,7 +3928,7 @@
         </p:nvCxnSpPr>
         <p:spPr>
           <a:xfrm flipV="1">
-            <a:off x="5385732" y="4471595"/>
+            <a:off x="4534756" y="4055011"/>
             <a:ext cx="0" cy="706873"/>
           </a:xfrm>
           <a:prstGeom prst="straightConnector1">
@@ -4136,6 +3956,230 @@
           </a:fontRef>
         </p:style>
       </p:cxnSp>
+      <p:graphicFrame>
+        <p:nvGraphicFramePr>
+          <p:cNvPr id="38" name="Table 4">
+            <a:extLst>
+              <a:ext uri="{FF2B5EF4-FFF2-40B4-BE49-F238E27FC236}">
+                <a16:creationId xmlns:a16="http://schemas.microsoft.com/office/drawing/2014/main" id="{C440039B-424E-41DE-A40B-7C624F299B2F}"/>
+              </a:ext>
+            </a:extLst>
+          </p:cNvPr>
+          <p:cNvGraphicFramePr>
+            <a:graphicFrameLocks noGrp="1"/>
+          </p:cNvGraphicFramePr>
+          <p:nvPr>
+            <p:extLst>
+              <p:ext uri="{D42A27DB-BD31-4B8C-83A1-F6EECF244321}">
+                <p14:modId xmlns:p14="http://schemas.microsoft.com/office/powerpoint/2010/main" val="3815891545"/>
+              </p:ext>
+            </p:extLst>
+          </p:nvPr>
+        </p:nvGraphicFramePr>
+        <p:xfrm>
+          <a:off x="469382" y="3463779"/>
+          <a:ext cx="1528154" cy="365760"/>
+        </p:xfrm>
+        <a:graphic>
+          <a:graphicData uri="http://schemas.openxmlformats.org/drawingml/2006/table">
+            <a:tbl>
+              <a:tblPr>
+                <a:tableStyleId>{638B1855-1B75-4FBE-930C-398BA8C253C6}</a:tableStyleId>
+              </a:tblPr>
+              <a:tblGrid>
+                <a:gridCol w="1528154">
+                  <a:extLst>
+                    <a:ext uri="{9D8B030D-6E8A-4147-A177-3AD203B41FA5}">
+                      <a16:colId xmlns:a16="http://schemas.microsoft.com/office/drawing/2014/main" val="4240773277"/>
+                    </a:ext>
+                  </a:extLst>
+                </a:gridCol>
+              </a:tblGrid>
+              <a:tr h="0">
+                <a:tc>
+                  <a:txBody>
+                    <a:bodyPr/>
+                    <a:lstStyle/>
+                    <a:p>
+                      <a:r>
+                        <a:rPr lang="en-US" altLang="zh-CN" u="sng" dirty="0" err="1"/>
+                        <a:t>im</a:t>
+                      </a:r>
+                      <a:r>
+                        <a:rPr lang="en-SG" u="sng" dirty="0"/>
+                        <a:t>0:</a:t>
+                      </a:r>
+                      <a:r>
+                        <a:rPr lang="en-SG" sz="1800" u="sng" dirty="0"/>
+                        <a:t>Inventory</a:t>
+                      </a:r>
+                      <a:endParaRPr lang="en-SG" sz="1600" u="sng" dirty="0"/>
+                    </a:p>
+                  </a:txBody>
+                  <a:tcPr/>
+                </a:tc>
+                <a:extLst>
+                  <a:ext uri="{0D108BD9-81ED-4DB2-BD59-A6C34878D82A}">
+                    <a16:rowId xmlns:a16="http://schemas.microsoft.com/office/drawing/2014/main" val="2194462629"/>
+                  </a:ext>
+                </a:extLst>
+              </a:tr>
+            </a:tbl>
+          </a:graphicData>
+        </a:graphic>
+      </p:graphicFrame>
+      <p:graphicFrame>
+        <p:nvGraphicFramePr>
+          <p:cNvPr id="39" name="Table 4">
+            <a:extLst>
+              <a:ext uri="{FF2B5EF4-FFF2-40B4-BE49-F238E27FC236}">
+                <a16:creationId xmlns:a16="http://schemas.microsoft.com/office/drawing/2014/main" id="{7597D282-9A64-4DF8-9FB4-DB4419D691F3}"/>
+              </a:ext>
+            </a:extLst>
+          </p:cNvPr>
+          <p:cNvGraphicFramePr>
+            <a:graphicFrameLocks noGrp="1"/>
+          </p:cNvGraphicFramePr>
+          <p:nvPr>
+            <p:extLst>
+              <p:ext uri="{D42A27DB-BD31-4B8C-83A1-F6EECF244321}">
+                <p14:modId xmlns:p14="http://schemas.microsoft.com/office/powerpoint/2010/main" val="3839581163"/>
+              </p:ext>
+            </p:extLst>
+          </p:nvPr>
+        </p:nvGraphicFramePr>
+        <p:xfrm>
+          <a:off x="2122104" y="3474135"/>
+          <a:ext cx="1528154" cy="365760"/>
+        </p:xfrm>
+        <a:graphic>
+          <a:graphicData uri="http://schemas.openxmlformats.org/drawingml/2006/table">
+            <a:tbl>
+              <a:tblPr>
+                <a:tableStyleId>{638B1855-1B75-4FBE-930C-398BA8C253C6}</a:tableStyleId>
+              </a:tblPr>
+              <a:tblGrid>
+                <a:gridCol w="1528154">
+                  <a:extLst>
+                    <a:ext uri="{9D8B030D-6E8A-4147-A177-3AD203B41FA5}">
+                      <a16:colId xmlns:a16="http://schemas.microsoft.com/office/drawing/2014/main" val="4240773277"/>
+                    </a:ext>
+                  </a:extLst>
+                </a:gridCol>
+              </a:tblGrid>
+              <a:tr h="0">
+                <a:tc>
+                  <a:txBody>
+                    <a:bodyPr/>
+                    <a:lstStyle/>
+                    <a:p>
+                      <a:r>
+                        <a:rPr lang="en-US" altLang="zh-CN" u="sng" dirty="0" err="1"/>
+                        <a:t>im</a:t>
+                      </a:r>
+                      <a:r>
+                        <a:rPr lang="en-SG" altLang="zh-CN" u="sng" dirty="0"/>
+                        <a:t>1</a:t>
+                      </a:r>
+                      <a:r>
+                        <a:rPr lang="en-SG" u="sng" dirty="0"/>
+                        <a:t>:</a:t>
+                      </a:r>
+                      <a:r>
+                        <a:rPr lang="en-SG" sz="1800" u="sng" dirty="0"/>
+                        <a:t>Inventory</a:t>
+                      </a:r>
+                      <a:endParaRPr lang="en-SG" sz="1600" u="sng" dirty="0"/>
+                    </a:p>
+                  </a:txBody>
+                  <a:tcPr/>
+                </a:tc>
+                <a:extLst>
+                  <a:ext uri="{0D108BD9-81ED-4DB2-BD59-A6C34878D82A}">
+                    <a16:rowId xmlns:a16="http://schemas.microsoft.com/office/drawing/2014/main" val="2194462629"/>
+                  </a:ext>
+                </a:extLst>
+              </a:tr>
+            </a:tbl>
+          </a:graphicData>
+        </a:graphic>
+      </p:graphicFrame>
+      <p:graphicFrame>
+        <p:nvGraphicFramePr>
+          <p:cNvPr id="40" name="Table 4">
+            <a:extLst>
+              <a:ext uri="{FF2B5EF4-FFF2-40B4-BE49-F238E27FC236}">
+                <a16:creationId xmlns:a16="http://schemas.microsoft.com/office/drawing/2014/main" id="{E3C21B15-D7B6-43CD-983A-3A7FA2648BA3}"/>
+              </a:ext>
+            </a:extLst>
+          </p:cNvPr>
+          <p:cNvGraphicFramePr>
+            <a:graphicFrameLocks noGrp="1"/>
+          </p:cNvGraphicFramePr>
+          <p:nvPr>
+            <p:extLst>
+              <p:ext uri="{D42A27DB-BD31-4B8C-83A1-F6EECF244321}">
+                <p14:modId xmlns:p14="http://schemas.microsoft.com/office/powerpoint/2010/main" val="3387262790"/>
+              </p:ext>
+            </p:extLst>
+          </p:nvPr>
+        </p:nvGraphicFramePr>
+        <p:xfrm>
+          <a:off x="3755832" y="3480231"/>
+          <a:ext cx="1528154" cy="365760"/>
+        </p:xfrm>
+        <a:graphic>
+          <a:graphicData uri="http://schemas.openxmlformats.org/drawingml/2006/table">
+            <a:tbl>
+              <a:tblPr>
+                <a:tableStyleId>{638B1855-1B75-4FBE-930C-398BA8C253C6}</a:tableStyleId>
+              </a:tblPr>
+              <a:tblGrid>
+                <a:gridCol w="1528154">
+                  <a:extLst>
+                    <a:ext uri="{9D8B030D-6E8A-4147-A177-3AD203B41FA5}">
+                      <a16:colId xmlns:a16="http://schemas.microsoft.com/office/drawing/2014/main" val="4240773277"/>
+                    </a:ext>
+                  </a:extLst>
+                </a:gridCol>
+              </a:tblGrid>
+              <a:tr h="0">
+                <a:tc>
+                  <a:txBody>
+                    <a:bodyPr/>
+                    <a:lstStyle/>
+                    <a:p>
+                      <a:r>
+                        <a:rPr lang="en-US" altLang="zh-CN" u="sng" dirty="0" err="1"/>
+                        <a:t>im</a:t>
+                      </a:r>
+                      <a:r>
+                        <a:rPr lang="en-SG" altLang="zh-CN" u="sng" dirty="0"/>
+                        <a:t>3</a:t>
+                      </a:r>
+                      <a:r>
+                        <a:rPr lang="en-SG" u="sng" dirty="0"/>
+                        <a:t>:</a:t>
+                      </a:r>
+                      <a:r>
+                        <a:rPr lang="en-SG" sz="1800" u="sng" dirty="0"/>
+                        <a:t>Inventory</a:t>
+                      </a:r>
+                      <a:endParaRPr lang="en-SG" sz="1600" u="sng" dirty="0"/>
+                    </a:p>
+                  </a:txBody>
+                  <a:tcPr/>
+                </a:tc>
+                <a:extLst>
+                  <a:ext uri="{0D108BD9-81ED-4DB2-BD59-A6C34878D82A}">
+                    <a16:rowId xmlns:a16="http://schemas.microsoft.com/office/drawing/2014/main" val="2194462629"/>
+                  </a:ext>
+                </a:extLst>
+              </a:tr>
+            </a:tbl>
+          </a:graphicData>
+        </a:graphic>
+      </p:graphicFrame>
     </p:spTree>
     <p:extLst>
       <p:ext uri="{BB962C8B-B14F-4D97-AF65-F5344CB8AC3E}">
